--- a/Presentation.pptx
+++ b/Presentation.pptx
@@ -4,14 +4,19 @@
   <p:sldMasterIdLst>
     <p:sldMasterId id="2147483714" r:id="rId1"/>
   </p:sldMasterIdLst>
+  <p:notesMasterIdLst>
+    <p:notesMasterId r:id="rId11"/>
+  </p:notesMasterIdLst>
   <p:sldIdLst>
     <p:sldId id="256" r:id="rId2"/>
     <p:sldId id="257" r:id="rId3"/>
     <p:sldId id="258" r:id="rId4"/>
-    <p:sldId id="259" r:id="rId5"/>
-    <p:sldId id="260" r:id="rId6"/>
+    <p:sldId id="262" r:id="rId5"/>
+    <p:sldId id="266" r:id="rId6"/>
     <p:sldId id="261" r:id="rId7"/>
-    <p:sldId id="262" r:id="rId8"/>
+    <p:sldId id="263" r:id="rId8"/>
+    <p:sldId id="265" r:id="rId9"/>
+    <p:sldId id="264" r:id="rId10"/>
   </p:sldIdLst>
   <p:sldSz cx="12192000" cy="6858000"/>
   <p:notesSz cx="6858000" cy="9144000"/>
@@ -118,6 +123,355 @@
 </p:presentation>
 </file>
 
+<file path=ppt/notesMasters/notesMaster1.xml><?xml version="1.0" encoding="utf-8"?>
+<p:notesMaster xmlns:a="http://schemas.openxmlformats.org/drawingml/2006/main" xmlns:r="http://schemas.openxmlformats.org/officeDocument/2006/relationships" xmlns:p="http://schemas.openxmlformats.org/presentationml/2006/main">
+  <p:cSld>
+    <p:bg>
+      <p:bgRef idx="1001">
+        <a:schemeClr val="bg1"/>
+      </p:bgRef>
+    </p:bg>
+    <p:spTree>
+      <p:nvGrpSpPr>
+        <p:cNvPr id="1" name=""/>
+        <p:cNvGrpSpPr/>
+        <p:nvPr/>
+      </p:nvGrpSpPr>
+      <p:grpSpPr>
+        <a:xfrm>
+          <a:off x="0" y="0"/>
+          <a:ext cx="0" cy="0"/>
+          <a:chOff x="0" y="0"/>
+          <a:chExt cx="0" cy="0"/>
+        </a:xfrm>
+      </p:grpSpPr>
+      <p:sp>
+        <p:nvSpPr>
+          <p:cNvPr id="2" name="Header Placeholder 1"/>
+          <p:cNvSpPr>
+            <a:spLocks noGrp="1"/>
+          </p:cNvSpPr>
+          <p:nvPr>
+            <p:ph type="hdr" sz="quarter"/>
+          </p:nvPr>
+        </p:nvSpPr>
+        <p:spPr>
+          <a:xfrm>
+            <a:off x="0" y="0"/>
+            <a:ext cx="2971800" cy="458788"/>
+          </a:xfrm>
+          <a:prstGeom prst="rect">
+            <a:avLst/>
+          </a:prstGeom>
+        </p:spPr>
+        <p:txBody>
+          <a:bodyPr vert="horz" lIns="91440" tIns="45720" rIns="91440" bIns="45720" rtlCol="0"/>
+          <a:lstStyle>
+            <a:lvl1pPr algn="l">
+              <a:defRPr sz="1200"/>
+            </a:lvl1pPr>
+          </a:lstStyle>
+          <a:p>
+            <a:endParaRPr lang="en-US"/>
+          </a:p>
+        </p:txBody>
+      </p:sp>
+      <p:sp>
+        <p:nvSpPr>
+          <p:cNvPr id="3" name="Date Placeholder 2"/>
+          <p:cNvSpPr>
+            <a:spLocks noGrp="1"/>
+          </p:cNvSpPr>
+          <p:nvPr>
+            <p:ph type="dt" idx="1"/>
+          </p:nvPr>
+        </p:nvSpPr>
+        <p:spPr>
+          <a:xfrm>
+            <a:off x="3884613" y="0"/>
+            <a:ext cx="2971800" cy="458788"/>
+          </a:xfrm>
+          <a:prstGeom prst="rect">
+            <a:avLst/>
+          </a:prstGeom>
+        </p:spPr>
+        <p:txBody>
+          <a:bodyPr vert="horz" lIns="91440" tIns="45720" rIns="91440" bIns="45720" rtlCol="0"/>
+          <a:lstStyle>
+            <a:lvl1pPr algn="r">
+              <a:defRPr sz="1200"/>
+            </a:lvl1pPr>
+          </a:lstStyle>
+          <a:p>
+            <a:fld id="{C3FD2BF4-AA1D-4A2A-8BDD-0048338519DD}" type="datetimeFigureOut">
+              <a:rPr lang="en-US" smtClean="0"/>
+              <a:t>8/7/2018</a:t>
+            </a:fld>
+            <a:endParaRPr lang="en-US"/>
+          </a:p>
+        </p:txBody>
+      </p:sp>
+      <p:sp>
+        <p:nvSpPr>
+          <p:cNvPr id="4" name="Slide Image Placeholder 3"/>
+          <p:cNvSpPr>
+            <a:spLocks noGrp="1" noRot="1" noChangeAspect="1"/>
+          </p:cNvSpPr>
+          <p:nvPr>
+            <p:ph type="sldImg" idx="2"/>
+          </p:nvPr>
+        </p:nvSpPr>
+        <p:spPr>
+          <a:xfrm>
+            <a:off x="685800" y="1143000"/>
+            <a:ext cx="5486400" cy="3086100"/>
+          </a:xfrm>
+          <a:prstGeom prst="rect">
+            <a:avLst/>
+          </a:prstGeom>
+          <a:noFill/>
+          <a:ln w="12700">
+            <a:solidFill>
+              <a:prstClr val="black"/>
+            </a:solidFill>
+          </a:ln>
+        </p:spPr>
+        <p:txBody>
+          <a:bodyPr vert="horz" lIns="91440" tIns="45720" rIns="91440" bIns="45720" rtlCol="0" anchor="ctr"/>
+          <a:lstStyle/>
+          <a:p>
+            <a:endParaRPr lang="en-US"/>
+          </a:p>
+        </p:txBody>
+      </p:sp>
+      <p:sp>
+        <p:nvSpPr>
+          <p:cNvPr id="5" name="Notes Placeholder 4"/>
+          <p:cNvSpPr>
+            <a:spLocks noGrp="1"/>
+          </p:cNvSpPr>
+          <p:nvPr>
+            <p:ph type="body" sz="quarter" idx="3"/>
+          </p:nvPr>
+        </p:nvSpPr>
+        <p:spPr>
+          <a:xfrm>
+            <a:off x="685800" y="4400550"/>
+            <a:ext cx="5486400" cy="3600450"/>
+          </a:xfrm>
+          <a:prstGeom prst="rect">
+            <a:avLst/>
+          </a:prstGeom>
+        </p:spPr>
+        <p:txBody>
+          <a:bodyPr vert="horz" lIns="91440" tIns="45720" rIns="91440" bIns="45720" rtlCol="0"/>
+          <a:lstStyle/>
+          <a:p>
+            <a:pPr lvl="0"/>
+            <a:r>
+              <a:rPr lang="en-US"/>
+              <a:t>Edit Master text styles</a:t>
+            </a:r>
+          </a:p>
+          <a:p>
+            <a:pPr lvl="1"/>
+            <a:r>
+              <a:rPr lang="en-US"/>
+              <a:t>Second level</a:t>
+            </a:r>
+          </a:p>
+          <a:p>
+            <a:pPr lvl="2"/>
+            <a:r>
+              <a:rPr lang="en-US"/>
+              <a:t>Third level</a:t>
+            </a:r>
+          </a:p>
+          <a:p>
+            <a:pPr lvl="3"/>
+            <a:r>
+              <a:rPr lang="en-US"/>
+              <a:t>Fourth level</a:t>
+            </a:r>
+          </a:p>
+          <a:p>
+            <a:pPr lvl="4"/>
+            <a:r>
+              <a:rPr lang="en-US"/>
+              <a:t>Fifth level</a:t>
+            </a:r>
+          </a:p>
+        </p:txBody>
+      </p:sp>
+      <p:sp>
+        <p:nvSpPr>
+          <p:cNvPr id="6" name="Footer Placeholder 5"/>
+          <p:cNvSpPr>
+            <a:spLocks noGrp="1"/>
+          </p:cNvSpPr>
+          <p:nvPr>
+            <p:ph type="ftr" sz="quarter" idx="4"/>
+          </p:nvPr>
+        </p:nvSpPr>
+        <p:spPr>
+          <a:xfrm>
+            <a:off x="0" y="8685213"/>
+            <a:ext cx="2971800" cy="458787"/>
+          </a:xfrm>
+          <a:prstGeom prst="rect">
+            <a:avLst/>
+          </a:prstGeom>
+        </p:spPr>
+        <p:txBody>
+          <a:bodyPr vert="horz" lIns="91440" tIns="45720" rIns="91440" bIns="45720" rtlCol="0" anchor="b"/>
+          <a:lstStyle>
+            <a:lvl1pPr algn="l">
+              <a:defRPr sz="1200"/>
+            </a:lvl1pPr>
+          </a:lstStyle>
+          <a:p>
+            <a:endParaRPr lang="en-US"/>
+          </a:p>
+        </p:txBody>
+      </p:sp>
+      <p:sp>
+        <p:nvSpPr>
+          <p:cNvPr id="7" name="Slide Number Placeholder 6"/>
+          <p:cNvSpPr>
+            <a:spLocks noGrp="1"/>
+          </p:cNvSpPr>
+          <p:nvPr>
+            <p:ph type="sldNum" sz="quarter" idx="5"/>
+          </p:nvPr>
+        </p:nvSpPr>
+        <p:spPr>
+          <a:xfrm>
+            <a:off x="3884613" y="8685213"/>
+            <a:ext cx="2971800" cy="458787"/>
+          </a:xfrm>
+          <a:prstGeom prst="rect">
+            <a:avLst/>
+          </a:prstGeom>
+        </p:spPr>
+        <p:txBody>
+          <a:bodyPr vert="horz" lIns="91440" tIns="45720" rIns="91440" bIns="45720" rtlCol="0" anchor="b"/>
+          <a:lstStyle>
+            <a:lvl1pPr algn="r">
+              <a:defRPr sz="1200"/>
+            </a:lvl1pPr>
+          </a:lstStyle>
+          <a:p>
+            <a:fld id="{81A115F6-B328-432C-8407-E017B8A9EE03}" type="slidenum">
+              <a:rPr lang="en-US" smtClean="0"/>
+              <a:t>‹#›</a:t>
+            </a:fld>
+            <a:endParaRPr lang="en-US"/>
+          </a:p>
+        </p:txBody>
+      </p:sp>
+    </p:spTree>
+    <p:extLst>
+      <p:ext uri="{BB962C8B-B14F-4D97-AF65-F5344CB8AC3E}">
+        <p14:creationId xmlns:p14="http://schemas.microsoft.com/office/powerpoint/2010/main" val="2775059657"/>
+      </p:ext>
+    </p:extLst>
+  </p:cSld>
+  <p:clrMap bg1="lt1" tx1="dk1" bg2="lt2" tx2="dk2" accent1="accent1" accent2="accent2" accent3="accent3" accent4="accent4" accent5="accent5" accent6="accent6" hlink="hlink" folHlink="folHlink"/>
+  <p:notesStyle>
+    <a:lvl1pPr marL="0" algn="l" defTabSz="914400" rtl="0" eaLnBrk="1" latinLnBrk="0" hangingPunct="1">
+      <a:defRPr sz="1200" kern="1200">
+        <a:solidFill>
+          <a:schemeClr val="tx1"/>
+        </a:solidFill>
+        <a:latin typeface="+mn-lt"/>
+        <a:ea typeface="+mn-ea"/>
+        <a:cs typeface="+mn-cs"/>
+      </a:defRPr>
+    </a:lvl1pPr>
+    <a:lvl2pPr marL="457200" algn="l" defTabSz="914400" rtl="0" eaLnBrk="1" latinLnBrk="0" hangingPunct="1">
+      <a:defRPr sz="1200" kern="1200">
+        <a:solidFill>
+          <a:schemeClr val="tx1"/>
+        </a:solidFill>
+        <a:latin typeface="+mn-lt"/>
+        <a:ea typeface="+mn-ea"/>
+        <a:cs typeface="+mn-cs"/>
+      </a:defRPr>
+    </a:lvl2pPr>
+    <a:lvl3pPr marL="914400" algn="l" defTabSz="914400" rtl="0" eaLnBrk="1" latinLnBrk="0" hangingPunct="1">
+      <a:defRPr sz="1200" kern="1200">
+        <a:solidFill>
+          <a:schemeClr val="tx1"/>
+        </a:solidFill>
+        <a:latin typeface="+mn-lt"/>
+        <a:ea typeface="+mn-ea"/>
+        <a:cs typeface="+mn-cs"/>
+      </a:defRPr>
+    </a:lvl3pPr>
+    <a:lvl4pPr marL="1371600" algn="l" defTabSz="914400" rtl="0" eaLnBrk="1" latinLnBrk="0" hangingPunct="1">
+      <a:defRPr sz="1200" kern="1200">
+        <a:solidFill>
+          <a:schemeClr val="tx1"/>
+        </a:solidFill>
+        <a:latin typeface="+mn-lt"/>
+        <a:ea typeface="+mn-ea"/>
+        <a:cs typeface="+mn-cs"/>
+      </a:defRPr>
+    </a:lvl4pPr>
+    <a:lvl5pPr marL="1828800" algn="l" defTabSz="914400" rtl="0" eaLnBrk="1" latinLnBrk="0" hangingPunct="1">
+      <a:defRPr sz="1200" kern="1200">
+        <a:solidFill>
+          <a:schemeClr val="tx1"/>
+        </a:solidFill>
+        <a:latin typeface="+mn-lt"/>
+        <a:ea typeface="+mn-ea"/>
+        <a:cs typeface="+mn-cs"/>
+      </a:defRPr>
+    </a:lvl5pPr>
+    <a:lvl6pPr marL="2286000" algn="l" defTabSz="914400" rtl="0" eaLnBrk="1" latinLnBrk="0" hangingPunct="1">
+      <a:defRPr sz="1200" kern="1200">
+        <a:solidFill>
+          <a:schemeClr val="tx1"/>
+        </a:solidFill>
+        <a:latin typeface="+mn-lt"/>
+        <a:ea typeface="+mn-ea"/>
+        <a:cs typeface="+mn-cs"/>
+      </a:defRPr>
+    </a:lvl6pPr>
+    <a:lvl7pPr marL="2743200" algn="l" defTabSz="914400" rtl="0" eaLnBrk="1" latinLnBrk="0" hangingPunct="1">
+      <a:defRPr sz="1200" kern="1200">
+        <a:solidFill>
+          <a:schemeClr val="tx1"/>
+        </a:solidFill>
+        <a:latin typeface="+mn-lt"/>
+        <a:ea typeface="+mn-ea"/>
+        <a:cs typeface="+mn-cs"/>
+      </a:defRPr>
+    </a:lvl7pPr>
+    <a:lvl8pPr marL="3200400" algn="l" defTabSz="914400" rtl="0" eaLnBrk="1" latinLnBrk="0" hangingPunct="1">
+      <a:defRPr sz="1200" kern="1200">
+        <a:solidFill>
+          <a:schemeClr val="tx1"/>
+        </a:solidFill>
+        <a:latin typeface="+mn-lt"/>
+        <a:ea typeface="+mn-ea"/>
+        <a:cs typeface="+mn-cs"/>
+      </a:defRPr>
+    </a:lvl8pPr>
+    <a:lvl9pPr marL="3657600" algn="l" defTabSz="914400" rtl="0" eaLnBrk="1" latinLnBrk="0" hangingPunct="1">
+      <a:defRPr sz="1200" kern="1200">
+        <a:solidFill>
+          <a:schemeClr val="tx1"/>
+        </a:solidFill>
+        <a:latin typeface="+mn-lt"/>
+        <a:ea typeface="+mn-ea"/>
+        <a:cs typeface="+mn-cs"/>
+      </a:defRPr>
+    </a:lvl9pPr>
+  </p:notesStyle>
+</p:notesMaster>
+</file>
+
 <file path=ppt/slideLayouts/slideLayout1.xml><?xml version="1.0" encoding="utf-8"?>
 <p:sldLayout xmlns:a="http://schemas.openxmlformats.org/drawingml/2006/main" xmlns:r="http://schemas.openxmlformats.org/officeDocument/2006/relationships" xmlns:p="http://schemas.openxmlformats.org/presentationml/2006/main" type="title" preserve="1">
   <p:cSld name="Title Slide">
@@ -304,7 +658,7 @@
           <a:p>
             <a:fld id="{552850C1-E2FB-44C3-8563-80A53DFEE475}" type="datetimeFigureOut">
               <a:rPr lang="en-US" smtClean="0"/>
-              <a:t>8/4/2018</a:t>
+              <a:t>8/6/2018</a:t>
             </a:fld>
             <a:endParaRPr lang="en-US"/>
           </a:p>
@@ -579,7 +933,7 @@
           <a:p>
             <a:fld id="{552850C1-E2FB-44C3-8563-80A53DFEE475}" type="datetimeFigureOut">
               <a:rPr lang="en-US" smtClean="0"/>
-              <a:t>8/4/2018</a:t>
+              <a:t>8/6/2018</a:t>
             </a:fld>
             <a:endParaRPr lang="en-US"/>
           </a:p>
@@ -773,7 +1127,7 @@
           <a:p>
             <a:fld id="{552850C1-E2FB-44C3-8563-80A53DFEE475}" type="datetimeFigureOut">
               <a:rPr lang="en-US" smtClean="0"/>
-              <a:t>8/4/2018</a:t>
+              <a:t>8/6/2018</a:t>
             </a:fld>
             <a:endParaRPr lang="en-US"/>
           </a:p>
@@ -1046,7 +1400,7 @@
           <a:p>
             <a:fld id="{552850C1-E2FB-44C3-8563-80A53DFEE475}" type="datetimeFigureOut">
               <a:rPr lang="en-US" smtClean="0"/>
-              <a:t>8/4/2018</a:t>
+              <a:t>8/6/2018</a:t>
             </a:fld>
             <a:endParaRPr lang="en-US"/>
           </a:p>
@@ -1387,7 +1741,7 @@
           <a:p>
             <a:fld id="{552850C1-E2FB-44C3-8563-80A53DFEE475}" type="datetimeFigureOut">
               <a:rPr lang="en-US" smtClean="0"/>
-              <a:t>8/4/2018</a:t>
+              <a:t>8/6/2018</a:t>
             </a:fld>
             <a:endParaRPr lang="en-US"/>
           </a:p>
@@ -2010,7 +2364,7 @@
           <a:p>
             <a:fld id="{552850C1-E2FB-44C3-8563-80A53DFEE475}" type="datetimeFigureOut">
               <a:rPr lang="en-US" smtClean="0"/>
-              <a:t>8/4/2018</a:t>
+              <a:t>8/6/2018</a:t>
             </a:fld>
             <a:endParaRPr lang="en-US"/>
           </a:p>
@@ -2870,7 +3224,7 @@
           <a:p>
             <a:fld id="{552850C1-E2FB-44C3-8563-80A53DFEE475}" type="datetimeFigureOut">
               <a:rPr lang="en-US" smtClean="0"/>
-              <a:t>8/4/2018</a:t>
+              <a:t>8/6/2018</a:t>
             </a:fld>
             <a:endParaRPr lang="en-US"/>
           </a:p>
@@ -3040,7 +3394,7 @@
           <a:p>
             <a:fld id="{552850C1-E2FB-44C3-8563-80A53DFEE475}" type="datetimeFigureOut">
               <a:rPr lang="en-US" smtClean="0"/>
-              <a:t>8/4/2018</a:t>
+              <a:t>8/6/2018</a:t>
             </a:fld>
             <a:endParaRPr lang="en-US"/>
           </a:p>
@@ -3220,7 +3574,7 @@
           <a:p>
             <a:fld id="{552850C1-E2FB-44C3-8563-80A53DFEE475}" type="datetimeFigureOut">
               <a:rPr lang="en-US" smtClean="0"/>
-              <a:t>8/4/2018</a:t>
+              <a:t>8/6/2018</a:t>
             </a:fld>
             <a:endParaRPr lang="en-US"/>
           </a:p>
@@ -3405,7 +3759,7 @@
           <a:p>
             <a:fld id="{552850C1-E2FB-44C3-8563-80A53DFEE475}" type="datetimeFigureOut">
               <a:rPr lang="en-US" smtClean="0"/>
-              <a:t>8/4/2018</a:t>
+              <a:t>8/6/2018</a:t>
             </a:fld>
             <a:endParaRPr lang="en-US"/>
           </a:p>
@@ -3652,7 +4006,7 @@
           <a:p>
             <a:fld id="{552850C1-E2FB-44C3-8563-80A53DFEE475}" type="datetimeFigureOut">
               <a:rPr lang="en-US" smtClean="0"/>
-              <a:t>8/4/2018</a:t>
+              <a:t>8/6/2018</a:t>
             </a:fld>
             <a:endParaRPr lang="en-US"/>
           </a:p>
@@ -3944,7 +4298,7 @@
           <a:p>
             <a:fld id="{552850C1-E2FB-44C3-8563-80A53DFEE475}" type="datetimeFigureOut">
               <a:rPr lang="en-US" smtClean="0"/>
-              <a:t>8/4/2018</a:t>
+              <a:t>8/6/2018</a:t>
             </a:fld>
             <a:endParaRPr lang="en-US"/>
           </a:p>
@@ -4388,7 +4742,7 @@
           <a:p>
             <a:fld id="{552850C1-E2FB-44C3-8563-80A53DFEE475}" type="datetimeFigureOut">
               <a:rPr lang="en-US" smtClean="0"/>
-              <a:t>8/4/2018</a:t>
+              <a:t>8/6/2018</a:t>
             </a:fld>
             <a:endParaRPr lang="en-US"/>
           </a:p>
@@ -4506,7 +4860,7 @@
           <a:p>
             <a:fld id="{552850C1-E2FB-44C3-8563-80A53DFEE475}" type="datetimeFigureOut">
               <a:rPr lang="en-US" smtClean="0"/>
-              <a:t>8/4/2018</a:t>
+              <a:t>8/6/2018</a:t>
             </a:fld>
             <a:endParaRPr lang="en-US"/>
           </a:p>
@@ -4601,7 +4955,7 @@
           <a:p>
             <a:fld id="{552850C1-E2FB-44C3-8563-80A53DFEE475}" type="datetimeFigureOut">
               <a:rPr lang="en-US" smtClean="0"/>
-              <a:t>8/4/2018</a:t>
+              <a:t>8/6/2018</a:t>
             </a:fld>
             <a:endParaRPr lang="en-US"/>
           </a:p>
@@ -4880,7 +5234,7 @@
           <a:p>
             <a:fld id="{552850C1-E2FB-44C3-8563-80A53DFEE475}" type="datetimeFigureOut">
               <a:rPr lang="en-US" smtClean="0"/>
-              <a:t>8/4/2018</a:t>
+              <a:t>8/6/2018</a:t>
             </a:fld>
             <a:endParaRPr lang="en-US"/>
           </a:p>
@@ -5155,7 +5509,7 @@
           <a:p>
             <a:fld id="{552850C1-E2FB-44C3-8563-80A53DFEE475}" type="datetimeFigureOut">
               <a:rPr lang="en-US" smtClean="0"/>
-              <a:t>8/4/2018</a:t>
+              <a:t>8/6/2018</a:t>
             </a:fld>
             <a:endParaRPr lang="en-US"/>
           </a:p>
@@ -5578,7 +5932,7 @@
           <a:p>
             <a:fld id="{552850C1-E2FB-44C3-8563-80A53DFEE475}" type="datetimeFigureOut">
               <a:rPr lang="en-US" smtClean="0"/>
-              <a:t>8/4/2018</a:t>
+              <a:t>8/6/2018</a:t>
             </a:fld>
             <a:endParaRPr lang="en-US"/>
           </a:p>
@@ -6150,8 +6504,15 @@
           <a:lstStyle/>
           <a:p>
             <a:r>
+              <a:rPr lang="en-US"/>
+              <a:t>Jennifer</a:t>
+            </a:r>
+            <a:endParaRPr lang="en-US" dirty="0"/>
+          </a:p>
+          <a:p>
+            <a:r>
               <a:rPr lang="en-US" dirty="0"/>
-              <a:t>CAN WE PREDICT WHICH PROJECTS TO INVEST IN?</a:t>
+              <a:t>Q </a:t>
             </a:r>
           </a:p>
         </p:txBody>
@@ -6365,19 +6726,19 @@
           <a:lstStyle/>
           <a:p>
             <a:r>
-              <a:rPr lang="en-US" dirty="0"/>
+              <a:rPr lang="en-US" sz="6000" dirty="0"/>
               <a:t>Data from 2009 – 2018</a:t>
             </a:r>
           </a:p>
           <a:p>
             <a:r>
-              <a:rPr lang="en-US" dirty="0"/>
+              <a:rPr lang="en-US" sz="6000" dirty="0"/>
               <a:t>378,662 observations</a:t>
             </a:r>
           </a:p>
           <a:p>
             <a:r>
-              <a:rPr lang="en-US" dirty="0"/>
+              <a:rPr lang="en-US" sz="6000" dirty="0"/>
               <a:t>15 columns</a:t>
             </a:r>
           </a:p>
@@ -6421,7 +6782,7 @@
           <p:cNvPr id="2" name="Title 1">
             <a:extLst>
               <a:ext uri="{FF2B5EF4-FFF2-40B4-BE49-F238E27FC236}">
-                <a16:creationId xmlns:a16="http://schemas.microsoft.com/office/drawing/2014/main" id="{9EE10904-DA1F-4A1E-A5C3-C50E9482AA72}"/>
+                <a16:creationId xmlns:a16="http://schemas.microsoft.com/office/drawing/2014/main" id="{E19F0433-5D43-40CE-8FAF-CD002D27DCE1}"/>
               </a:ext>
             </a:extLst>
           </p:cNvPr>
@@ -6439,7 +6800,7 @@
           <a:p>
             <a:r>
               <a:rPr lang="en-US" dirty="0"/>
-              <a:t>Predictors Not Used</a:t>
+              <a:t>Data Cleaning</a:t>
             </a:r>
           </a:p>
         </p:txBody>
@@ -6449,7 +6810,7 @@
           <p:cNvPr id="3" name="Content Placeholder 2">
             <a:extLst>
               <a:ext uri="{FF2B5EF4-FFF2-40B4-BE49-F238E27FC236}">
-                <a16:creationId xmlns:a16="http://schemas.microsoft.com/office/drawing/2014/main" id="{120F6957-994B-41B4-BA68-D33F2F70FF1F}"/>
+                <a16:creationId xmlns:a16="http://schemas.microsoft.com/office/drawing/2014/main" id="{0AF3182B-C325-43F2-B633-CB7DD9DD996B}"/>
               </a:ext>
             </a:extLst>
           </p:cNvPr>
@@ -6460,59 +6821,96 @@
             <p:ph idx="1"/>
           </p:nvPr>
         </p:nvSpPr>
-        <p:spPr/>
+        <p:spPr>
+          <a:xfrm>
+            <a:off x="1103312" y="1478844"/>
+            <a:ext cx="9553399" cy="4769555"/>
+          </a:xfrm>
+        </p:spPr>
         <p:txBody>
           <a:bodyPr>
-            <a:normAutofit lnSpcReduction="10000"/>
+            <a:normAutofit fontScale="85000" lnSpcReduction="10000"/>
           </a:bodyPr>
           <a:lstStyle/>
           <a:p>
             <a:r>
+              <a:rPr lang="en-US" dirty="0">
+                <a:solidFill>
+                  <a:srgbClr val="92D050"/>
+                </a:solidFill>
+              </a:rPr>
+              <a:t>3562 Records with state ‘undefined’</a:t>
+            </a:r>
+          </a:p>
+          <a:p>
+            <a:pPr lvl="1"/>
+            <a:r>
               <a:rPr lang="en-US" dirty="0"/>
-              <a:t>ID</a:t>
-            </a:r>
-          </a:p>
-          <a:p>
+              <a:t>1908 -&gt; ‘failed’</a:t>
+            </a:r>
+          </a:p>
+          <a:p>
+            <a:pPr lvl="1"/>
             <a:r>
               <a:rPr lang="en-US" dirty="0"/>
-              <a:t>name</a:t>
-            </a:r>
-          </a:p>
-          <a:p>
+              <a:t>1654 -&gt; ‘successful’</a:t>
+            </a:r>
+          </a:p>
+          <a:p>
+            <a:pPr marL="457200" lvl="1" indent="0">
+              <a:buNone/>
+            </a:pPr>
+            <a:endParaRPr lang="en-US" dirty="0"/>
+          </a:p>
+          <a:p>
+            <a:r>
+              <a:rPr lang="en-US" dirty="0">
+                <a:solidFill>
+                  <a:srgbClr val="92D050"/>
+                </a:solidFill>
+              </a:rPr>
+              <a:t>3082 Records that had ‘0’ backers, but $ was pledged</a:t>
+            </a:r>
+          </a:p>
+          <a:p>
+            <a:pPr lvl="1"/>
             <a:r>
               <a:rPr lang="en-US" dirty="0"/>
-              <a:t>category</a:t>
-            </a:r>
-          </a:p>
-          <a:p>
+              <a:t>Used the Median for similar projects to impute</a:t>
+            </a:r>
+          </a:p>
+          <a:p>
+            <a:pPr marL="457200" lvl="1" indent="0">
+              <a:buNone/>
+            </a:pPr>
+            <a:endParaRPr lang="en-US" dirty="0"/>
+          </a:p>
+          <a:p>
+            <a:r>
+              <a:rPr lang="en-US" dirty="0">
+                <a:solidFill>
+                  <a:srgbClr val="92D050"/>
+                </a:solidFill>
+              </a:rPr>
+              <a:t>Records not used</a:t>
+            </a:r>
+          </a:p>
+          <a:p>
+            <a:pPr lvl="1"/>
             <a:r>
               <a:rPr lang="en-US" dirty="0"/>
-              <a:t>currency</a:t>
-            </a:r>
-          </a:p>
-          <a:p>
+              <a:t>Cancelled: 38779</a:t>
+            </a:r>
+          </a:p>
+          <a:p>
+            <a:pPr lvl="1"/>
             <a:r>
               <a:rPr lang="en-US" dirty="0"/>
-              <a:t>pledged</a:t>
-            </a:r>
-          </a:p>
-          <a:p>
-            <a:r>
-              <a:rPr lang="en-US" dirty="0"/>
-              <a:t>country</a:t>
-            </a:r>
-          </a:p>
-          <a:p>
-            <a:r>
-              <a:rPr lang="en-US" dirty="0" err="1"/>
-              <a:t>usd_pledged</a:t>
-            </a:r>
-            <a:endParaRPr lang="en-US" dirty="0"/>
-          </a:p>
-          <a:p>
-            <a:endParaRPr lang="en-US" dirty="0"/>
-          </a:p>
-          <a:p>
+              <a:t>Suspended:1846</a:t>
+            </a:r>
+          </a:p>
+          <a:p>
+            <a:pPr lvl="1"/>
             <a:endParaRPr lang="en-US" dirty="0"/>
           </a:p>
           <a:p>
@@ -6523,7 +6921,7 @@
     </p:spTree>
     <p:extLst>
       <p:ext uri="{BB962C8B-B14F-4D97-AF65-F5344CB8AC3E}">
-        <p14:creationId xmlns:p14="http://schemas.microsoft.com/office/powerpoint/2010/main" val="2851414644"/>
+        <p14:creationId xmlns:p14="http://schemas.microsoft.com/office/powerpoint/2010/main" val="4209875357"/>
       </p:ext>
     </p:extLst>
   </p:cSld>
@@ -6555,7 +6953,7 @@
           <p:cNvPr id="2" name="Title 1">
             <a:extLst>
               <a:ext uri="{FF2B5EF4-FFF2-40B4-BE49-F238E27FC236}">
-                <a16:creationId xmlns:a16="http://schemas.microsoft.com/office/drawing/2014/main" id="{11AADD38-E0C1-4BCD-9ECC-94E9E6660BA5}"/>
+                <a16:creationId xmlns:a16="http://schemas.microsoft.com/office/drawing/2014/main" id="{37F3609A-07F6-47DF-A4B0-A3807D7307E2}"/>
               </a:ext>
             </a:extLst>
           </p:cNvPr>
@@ -6573,7 +6971,7 @@
           <a:p>
             <a:r>
               <a:rPr lang="en-US" dirty="0"/>
-              <a:t>Predictors Used</a:t>
+              <a:t>Useful Predictors</a:t>
             </a:r>
           </a:p>
         </p:txBody>
@@ -6583,7 +6981,7 @@
           <p:cNvPr id="3" name="Content Placeholder 2">
             <a:extLst>
               <a:ext uri="{FF2B5EF4-FFF2-40B4-BE49-F238E27FC236}">
-                <a16:creationId xmlns:a16="http://schemas.microsoft.com/office/drawing/2014/main" id="{478958D5-CA2E-4313-8E93-98D25FF0E981}"/>
+                <a16:creationId xmlns:a16="http://schemas.microsoft.com/office/drawing/2014/main" id="{4B5D188D-C58E-4505-AF42-327FF179A29B}"/>
               </a:ext>
             </a:extLst>
           </p:cNvPr>
@@ -6591,68 +6989,119 @@
             <a:spLocks noGrp="1"/>
           </p:cNvSpPr>
           <p:nvPr>
-            <p:ph idx="1"/>
-          </p:nvPr>
-        </p:nvSpPr>
-        <p:spPr>
-          <a:xfrm>
-            <a:off x="1104293" y="1505623"/>
-            <a:ext cx="8946541" cy="4899659"/>
-          </a:xfrm>
-        </p:spPr>
+            <p:ph sz="half" idx="1"/>
+          </p:nvPr>
+        </p:nvSpPr>
+        <p:spPr/>
         <p:txBody>
           <a:bodyPr/>
           <a:lstStyle/>
           <a:p>
             <a:r>
-              <a:rPr lang="en-US" dirty="0" err="1"/>
+              <a:rPr lang="en-US" sz="4000" dirty="0" err="1">
+                <a:solidFill>
+                  <a:srgbClr val="92D050"/>
+                </a:solidFill>
+              </a:rPr>
               <a:t>main_category</a:t>
             </a:r>
+            <a:endParaRPr lang="en-US" sz="4000" dirty="0">
+              <a:solidFill>
+                <a:srgbClr val="92D050"/>
+              </a:solidFill>
+            </a:endParaRPr>
+          </a:p>
+          <a:p>
+            <a:r>
+              <a:rPr lang="en-US" sz="4000" dirty="0">
+                <a:solidFill>
+                  <a:srgbClr val="92D050"/>
+                </a:solidFill>
+              </a:rPr>
+              <a:t>deadline</a:t>
+            </a:r>
+          </a:p>
+          <a:p>
+            <a:r>
+              <a:rPr lang="en-US" sz="4000" dirty="0">
+                <a:solidFill>
+                  <a:srgbClr val="92D050"/>
+                </a:solidFill>
+              </a:rPr>
+              <a:t>goal</a:t>
+            </a:r>
+          </a:p>
+          <a:p>
+            <a:r>
+              <a:rPr lang="en-US" sz="4000" dirty="0">
+                <a:solidFill>
+                  <a:srgbClr val="92D050"/>
+                </a:solidFill>
+              </a:rPr>
+              <a:t>launched</a:t>
+            </a:r>
+          </a:p>
+          <a:p>
+            <a:pPr marL="0" indent="0">
+              <a:buNone/>
+            </a:pPr>
             <a:endParaRPr lang="en-US" dirty="0"/>
           </a:p>
-          <a:p>
-            <a:r>
-              <a:rPr lang="en-US" dirty="0"/>
-              <a:t>deadline</a:t>
-            </a:r>
-          </a:p>
-          <a:p>
-            <a:r>
-              <a:rPr lang="en-US" dirty="0"/>
-              <a:t>goal</a:t>
-            </a:r>
-          </a:p>
-          <a:p>
-            <a:r>
-              <a:rPr lang="en-US" dirty="0"/>
-              <a:t>launched</a:t>
-            </a:r>
-          </a:p>
-          <a:p>
-            <a:r>
-              <a:rPr lang="en-US" dirty="0"/>
-              <a:t>state</a:t>
-            </a:r>
-          </a:p>
-          <a:p>
-            <a:r>
-              <a:rPr lang="en-US" dirty="0"/>
+        </p:txBody>
+      </p:sp>
+      <p:sp>
+        <p:nvSpPr>
+          <p:cNvPr id="4" name="Content Placeholder 3">
+            <a:extLst>
+              <a:ext uri="{FF2B5EF4-FFF2-40B4-BE49-F238E27FC236}">
+                <a16:creationId xmlns:a16="http://schemas.microsoft.com/office/drawing/2014/main" id="{243CCF9D-3628-45F5-B3BC-DD828EB55D87}"/>
+              </a:ext>
+            </a:extLst>
+          </p:cNvPr>
+          <p:cNvSpPr>
+            <a:spLocks noGrp="1"/>
+          </p:cNvSpPr>
+          <p:nvPr>
+            <p:ph sz="half" idx="2"/>
+          </p:nvPr>
+        </p:nvSpPr>
+        <p:spPr/>
+        <p:txBody>
+          <a:bodyPr/>
+          <a:lstStyle/>
+          <a:p>
+            <a:r>
+              <a:rPr lang="en-US" sz="4000" dirty="0">
+                <a:solidFill>
+                  <a:srgbClr val="92D050"/>
+                </a:solidFill>
+              </a:rPr>
               <a:t>backers</a:t>
             </a:r>
           </a:p>
           <a:p>
             <a:r>
-              <a:rPr lang="en-US" dirty="0" err="1"/>
-              <a:t>usd_pledged_real</a:t>
-            </a:r>
-            <a:endParaRPr lang="en-US" dirty="0"/>
-          </a:p>
-          <a:p>
-            <a:r>
-              <a:rPr lang="en-US" dirty="0" err="1"/>
-              <a:t>Usd_goal_real</a:t>
-            </a:r>
-            <a:endParaRPr lang="en-US" dirty="0"/>
+              <a:rPr lang="en-US" sz="4000" dirty="0">
+                <a:solidFill>
+                  <a:srgbClr val="92D050"/>
+                </a:solidFill>
+              </a:rPr>
+              <a:t>pledged</a:t>
+            </a:r>
+          </a:p>
+          <a:p>
+            <a:r>
+              <a:rPr lang="en-US" sz="4000" dirty="0">
+                <a:solidFill>
+                  <a:srgbClr val="92D050"/>
+                </a:solidFill>
+              </a:rPr>
+              <a:t>goa</a:t>
+            </a:r>
+            <a:r>
+              <a:rPr lang="en-US" sz="4000" dirty="0"/>
+              <a:t>l</a:t>
+            </a:r>
           </a:p>
           <a:p>
             <a:endParaRPr lang="en-US" dirty="0"/>
@@ -6662,7 +7111,7 @@
     </p:spTree>
     <p:extLst>
       <p:ext uri="{BB962C8B-B14F-4D97-AF65-F5344CB8AC3E}">
-        <p14:creationId xmlns:p14="http://schemas.microsoft.com/office/powerpoint/2010/main" val="3196698401"/>
+        <p14:creationId xmlns:p14="http://schemas.microsoft.com/office/powerpoint/2010/main" val="1602071842"/>
       </p:ext>
     </p:extLst>
   </p:cSld>
@@ -6745,123 +7194,131 @@
           </a:bodyPr>
           <a:lstStyle/>
           <a:p>
-            <a:r>
-              <a:rPr lang="en-US" b="1" dirty="0" err="1"/>
-              <a:t>usd_short</a:t>
+            <a:pPr marL="0" indent="0">
+              <a:buNone/>
+            </a:pPr>
+            <a:r>
+              <a:rPr lang="en-US" b="1" dirty="0">
+                <a:solidFill>
+                  <a:srgbClr val="92D050"/>
+                </a:solidFill>
+              </a:rPr>
+              <a:t>short</a:t>
             </a:r>
             <a:r>
               <a:rPr lang="en-US" dirty="0"/>
-              <a:t>: </a:t>
-            </a:r>
-            <a:r>
-              <a:rPr lang="en-US" dirty="0" err="1"/>
-              <a:t>usd_goal_real</a:t>
-            </a:r>
-            <a:r>
-              <a:rPr lang="en-US" dirty="0"/>
-              <a:t> – </a:t>
-            </a:r>
-            <a:r>
-              <a:rPr lang="en-US" dirty="0" err="1"/>
-              <a:t>usd_pledged_real</a:t>
-            </a:r>
-            <a:endParaRPr lang="en-US" dirty="0"/>
-          </a:p>
-          <a:p>
-            <a:r>
-              <a:rPr lang="en-US" b="1" dirty="0"/>
-              <a:t>duration: </a:t>
-            </a:r>
-            <a:r>
-              <a:rPr lang="en-US" dirty="0"/>
-              <a:t>deadline - launched</a:t>
-            </a:r>
-            <a:endParaRPr lang="en-US" b="1" dirty="0"/>
-          </a:p>
-          <a:p>
-            <a:r>
-              <a:rPr lang="en-US" b="1" dirty="0" err="1"/>
-              <a:t>believer_ratio</a:t>
-            </a:r>
-            <a:r>
-              <a:rPr lang="en-US" dirty="0"/>
-              <a:t>: backers / </a:t>
-            </a:r>
-            <a:r>
-              <a:rPr lang="en-US" dirty="0" err="1"/>
-              <a:t>usd_goal_real</a:t>
-            </a:r>
-            <a:r>
-              <a:rPr lang="en-US" dirty="0"/>
-              <a:t> * 1000</a:t>
-            </a:r>
-          </a:p>
-          <a:p>
-            <a:r>
-              <a:rPr lang="en-US" b="1" dirty="0" err="1"/>
-              <a:t>hope_ratio</a:t>
-            </a:r>
-            <a:r>
-              <a:rPr lang="en-US" dirty="0"/>
-              <a:t>: </a:t>
-            </a:r>
-            <a:r>
-              <a:rPr lang="en-US" dirty="0" err="1"/>
-              <a:t>usd_pledged_real</a:t>
-            </a:r>
-            <a:r>
-              <a:rPr lang="en-US" dirty="0"/>
-              <a:t> / </a:t>
-            </a:r>
-            <a:r>
-              <a:rPr lang="en-US" dirty="0" err="1"/>
-              <a:t>usd_goal_real</a:t>
-            </a:r>
-            <a:r>
-              <a:rPr lang="en-US" dirty="0"/>
-              <a:t> * 100</a:t>
-            </a:r>
-          </a:p>
-          <a:p>
-            <a:r>
-              <a:rPr lang="en-US" b="1" dirty="0" err="1"/>
-              <a:t>dollars_needed_per_day</a:t>
+              <a:t>: goal – pledged</a:t>
+            </a:r>
+          </a:p>
+          <a:p>
+            <a:pPr marL="0" indent="0">
+              <a:buNone/>
+            </a:pPr>
+            <a:r>
+              <a:rPr lang="en-US" b="1" dirty="0">
+                <a:solidFill>
+                  <a:srgbClr val="92D050"/>
+                </a:solidFill>
+              </a:rPr>
+              <a:t>duration</a:t>
             </a:r>
             <a:r>
               <a:rPr lang="en-US" b="1" dirty="0"/>
               <a:t>: </a:t>
             </a:r>
             <a:r>
-              <a:rPr lang="en-US" dirty="0" err="1"/>
-              <a:t>usd_goal_real</a:t>
-            </a:r>
-            <a:r>
               <a:rPr lang="en-US" dirty="0"/>
-              <a:t> /duration</a:t>
-            </a:r>
-          </a:p>
-          <a:p>
-            <a:r>
-              <a:rPr lang="en-US" b="1" dirty="0" err="1"/>
-              <a:t>pledged_dollars_day</a:t>
+              <a:t>deadline – launched</a:t>
+            </a:r>
+            <a:endParaRPr lang="en-US" b="1" dirty="0"/>
+          </a:p>
+          <a:p>
+            <a:pPr marL="0" indent="0">
+              <a:buNone/>
+            </a:pPr>
+            <a:r>
+              <a:rPr lang="en-US" b="1" dirty="0" err="1">
+                <a:solidFill>
+                  <a:srgbClr val="92D050"/>
+                </a:solidFill>
+              </a:rPr>
+              <a:t>believer_ratio</a:t>
+            </a:r>
+            <a:r>
+              <a:rPr lang="en-US" dirty="0"/>
+              <a:t>: backers / goal * 1000</a:t>
+            </a:r>
+          </a:p>
+          <a:p>
+            <a:pPr marL="0" indent="0">
+              <a:buNone/>
+            </a:pPr>
+            <a:r>
+              <a:rPr lang="en-US" b="1" dirty="0" err="1">
+                <a:solidFill>
+                  <a:srgbClr val="92D050"/>
+                </a:solidFill>
+              </a:rPr>
+              <a:t>hope_ratio</a:t>
+            </a:r>
+            <a:r>
+              <a:rPr lang="en-US" dirty="0"/>
+              <a:t>: pledged/ goal * 100</a:t>
+            </a:r>
+          </a:p>
+          <a:p>
+            <a:pPr marL="0" indent="0">
+              <a:buNone/>
+            </a:pPr>
+            <a:r>
+              <a:rPr lang="en-US" b="1" dirty="0" err="1">
+                <a:solidFill>
+                  <a:srgbClr val="92D050"/>
+                </a:solidFill>
+              </a:rPr>
+              <a:t>dollars_needed_per_day</a:t>
             </a:r>
             <a:r>
               <a:rPr lang="en-US" b="1" dirty="0"/>
               <a:t>: </a:t>
             </a:r>
             <a:r>
-              <a:rPr lang="en-US" dirty="0" err="1"/>
-              <a:t>usd_pledged_real</a:t>
-            </a:r>
-            <a:r>
               <a:rPr lang="en-US" dirty="0"/>
-              <a:t> / duration</a:t>
+              <a:t>goal /duration</a:t>
+            </a:r>
+          </a:p>
+          <a:p>
+            <a:pPr marL="0" indent="0">
+              <a:buNone/>
+            </a:pPr>
+            <a:r>
+              <a:rPr lang="en-US" b="1" dirty="0" err="1">
+                <a:solidFill>
+                  <a:srgbClr val="92D050"/>
+                </a:solidFill>
+              </a:rPr>
+              <a:t>pledged_dollars_day</a:t>
+            </a:r>
+            <a:r>
+              <a:rPr lang="en-US" b="1" dirty="0"/>
+              <a:t>: </a:t>
+            </a:r>
+            <a:r>
+              <a:rPr lang="en-US" dirty="0"/>
+              <a:t>pledged / duration</a:t>
             </a:r>
             <a:endParaRPr lang="en-US" b="1" dirty="0"/>
           </a:p>
           <a:p>
-            <a:r>
-              <a:rPr lang="en-US" b="1" dirty="0" err="1"/>
+            <a:pPr marL="0" indent="0">
+              <a:buNone/>
+            </a:pPr>
+            <a:r>
+              <a:rPr lang="en-US" b="1" dirty="0" err="1">
+                <a:solidFill>
+                  <a:srgbClr val="92D050"/>
+                </a:solidFill>
+              </a:rPr>
               <a:t>hope_slope</a:t>
             </a:r>
             <a:r>
@@ -6919,7 +7376,7 @@
           <p:cNvPr id="2" name="Title 1">
             <a:extLst>
               <a:ext uri="{FF2B5EF4-FFF2-40B4-BE49-F238E27FC236}">
-                <a16:creationId xmlns:a16="http://schemas.microsoft.com/office/drawing/2014/main" id="{E19F0433-5D43-40CE-8FAF-CD002D27DCE1}"/>
+                <a16:creationId xmlns:a16="http://schemas.microsoft.com/office/drawing/2014/main" id="{7FE1F832-6987-470B-81E0-DF4C38955DE3}"/>
               </a:ext>
             </a:extLst>
           </p:cNvPr>
@@ -6937,7 +7394,7 @@
           <a:p>
             <a:r>
               <a:rPr lang="en-US" dirty="0"/>
-              <a:t>Data Cleaning</a:t>
+              <a:t>Models Attempted</a:t>
             </a:r>
           </a:p>
         </p:txBody>
@@ -6947,7 +7404,7 @@
           <p:cNvPr id="3" name="Content Placeholder 2">
             <a:extLst>
               <a:ext uri="{FF2B5EF4-FFF2-40B4-BE49-F238E27FC236}">
-                <a16:creationId xmlns:a16="http://schemas.microsoft.com/office/drawing/2014/main" id="{0AF3182B-C325-43F2-B633-CB7DD9DD996B}"/>
+                <a16:creationId xmlns:a16="http://schemas.microsoft.com/office/drawing/2014/main" id="{2DEBD604-F541-4637-BAB3-C8831C04B417}"/>
               </a:ext>
             </a:extLst>
           </p:cNvPr>
@@ -6964,27 +7421,46 @@
           <a:lstStyle/>
           <a:p>
             <a:r>
-              <a:rPr lang="en-US" dirty="0"/>
-              <a:t>3562 Records with state ‘undefined’</a:t>
-            </a:r>
-          </a:p>
-          <a:p>
-            <a:pPr lvl="1"/>
-            <a:r>
-              <a:rPr lang="en-US" dirty="0"/>
-              <a:t>1908 -&gt; ‘failed’</a:t>
-            </a:r>
-          </a:p>
-          <a:p>
-            <a:pPr lvl="1"/>
-            <a:r>
-              <a:rPr lang="en-US" dirty="0"/>
-              <a:t>1654 -&gt; ‘</a:t>
-            </a:r>
-            <a:r>
-              <a:rPr lang="en-US"/>
-              <a:t>successful’</a:t>
-            </a:r>
+              <a:rPr lang="en-US" sz="4000" dirty="0"/>
+              <a:t>KNN</a:t>
+            </a:r>
+          </a:p>
+          <a:p>
+            <a:r>
+              <a:rPr lang="en-US" sz="4000" dirty="0"/>
+              <a:t>Tree</a:t>
+            </a:r>
+          </a:p>
+          <a:p>
+            <a:r>
+              <a:rPr lang="en-US" sz="4000" dirty="0"/>
+              <a:t>SVM – linear,  polynomial, radial</a:t>
+            </a:r>
+          </a:p>
+          <a:p>
+            <a:r>
+              <a:rPr lang="en-US" sz="4000" dirty="0"/>
+              <a:t>Random Forest</a:t>
+            </a:r>
+          </a:p>
+          <a:p>
+            <a:r>
+              <a:rPr lang="en-US" sz="4000" dirty="0" err="1"/>
+              <a:t>NbClust</a:t>
+            </a:r>
+            <a:r>
+              <a:rPr lang="en-US" sz="4000" dirty="0"/>
+              <a:t> w/ Manhattan distance</a:t>
+            </a:r>
+          </a:p>
+          <a:p>
+            <a:endParaRPr lang="en-US" dirty="0"/>
+          </a:p>
+          <a:p>
+            <a:endParaRPr lang="en-US" dirty="0"/>
+          </a:p>
+          <a:p>
+            <a:endParaRPr lang="en-US" dirty="0"/>
           </a:p>
           <a:p>
             <a:endParaRPr lang="en-US" dirty="0"/>
@@ -6994,7 +7470,334 @@
     </p:spTree>
     <p:extLst>
       <p:ext uri="{BB962C8B-B14F-4D97-AF65-F5344CB8AC3E}">
-        <p14:creationId xmlns:p14="http://schemas.microsoft.com/office/powerpoint/2010/main" val="4209875357"/>
+        <p14:creationId xmlns:p14="http://schemas.microsoft.com/office/powerpoint/2010/main" val="2575888754"/>
+      </p:ext>
+    </p:extLst>
+  </p:cSld>
+  <p:clrMapOvr>
+    <a:masterClrMapping/>
+  </p:clrMapOvr>
+</p:sld>
+</file>
+
+<file path=ppt/slides/slide8.xml><?xml version="1.0" encoding="utf-8"?>
+<p:sld xmlns:a="http://schemas.openxmlformats.org/drawingml/2006/main" xmlns:r="http://schemas.openxmlformats.org/officeDocument/2006/relationships" xmlns:p="http://schemas.openxmlformats.org/presentationml/2006/main">
+  <p:cSld>
+    <p:spTree>
+      <p:nvGrpSpPr>
+        <p:cNvPr id="1" name=""/>
+        <p:cNvGrpSpPr/>
+        <p:nvPr/>
+      </p:nvGrpSpPr>
+      <p:grpSpPr>
+        <a:xfrm>
+          <a:off x="0" y="0"/>
+          <a:ext cx="0" cy="0"/>
+          <a:chOff x="0" y="0"/>
+          <a:chExt cx="0" cy="0"/>
+        </a:xfrm>
+      </p:grpSpPr>
+      <p:sp>
+        <p:nvSpPr>
+          <p:cNvPr id="2" name="Title 1">
+            <a:extLst>
+              <a:ext uri="{FF2B5EF4-FFF2-40B4-BE49-F238E27FC236}">
+                <a16:creationId xmlns:a16="http://schemas.microsoft.com/office/drawing/2014/main" id="{AE6BA48C-5FCD-4F86-88C6-7A8DB5D8F6BF}"/>
+              </a:ext>
+            </a:extLst>
+          </p:cNvPr>
+          <p:cNvSpPr>
+            <a:spLocks noGrp="1"/>
+          </p:cNvSpPr>
+          <p:nvPr>
+            <p:ph type="title"/>
+          </p:nvPr>
+        </p:nvSpPr>
+        <p:spPr/>
+        <p:txBody>
+          <a:bodyPr/>
+          <a:lstStyle/>
+          <a:p>
+            <a:r>
+              <a:rPr lang="en-US" dirty="0"/>
+              <a:t>Best Model</a:t>
+            </a:r>
+          </a:p>
+        </p:txBody>
+      </p:sp>
+      <p:sp>
+        <p:nvSpPr>
+          <p:cNvPr id="3" name="Content Placeholder 2">
+            <a:extLst>
+              <a:ext uri="{FF2B5EF4-FFF2-40B4-BE49-F238E27FC236}">
+                <a16:creationId xmlns:a16="http://schemas.microsoft.com/office/drawing/2014/main" id="{4FEA7B50-0D13-4CFA-81F5-C278EC4399DB}"/>
+              </a:ext>
+            </a:extLst>
+          </p:cNvPr>
+          <p:cNvSpPr>
+            <a:spLocks noGrp="1"/>
+          </p:cNvSpPr>
+          <p:nvPr>
+            <p:ph idx="1"/>
+          </p:nvPr>
+        </p:nvSpPr>
+        <p:spPr>
+          <a:xfrm>
+            <a:off x="1104293" y="1853248"/>
+            <a:ext cx="8946541" cy="4195481"/>
+          </a:xfrm>
+        </p:spPr>
+        <p:txBody>
+          <a:bodyPr>
+            <a:normAutofit lnSpcReduction="10000"/>
+          </a:bodyPr>
+          <a:lstStyle/>
+          <a:p>
+            <a:r>
+              <a:rPr lang="en-US" dirty="0"/>
+              <a:t>SVM – polynomial kernel</a:t>
+            </a:r>
+          </a:p>
+          <a:p>
+            <a:r>
+              <a:rPr lang="en-US" dirty="0"/>
+              <a:t>Six Predictors</a:t>
+            </a:r>
+          </a:p>
+          <a:p>
+            <a:pPr lvl="1"/>
+            <a:r>
+              <a:rPr lang="en-US" dirty="0"/>
+              <a:t>backers</a:t>
+            </a:r>
+          </a:p>
+          <a:p>
+            <a:pPr lvl="1"/>
+            <a:r>
+              <a:rPr lang="en-US" dirty="0"/>
+              <a:t>pledged</a:t>
+            </a:r>
+          </a:p>
+          <a:p>
+            <a:pPr lvl="1"/>
+            <a:r>
+              <a:rPr lang="en-US" dirty="0"/>
+              <a:t>goal</a:t>
+            </a:r>
+          </a:p>
+          <a:p>
+            <a:pPr lvl="1"/>
+            <a:r>
+              <a:rPr lang="en-US" dirty="0"/>
+              <a:t>short*</a:t>
+            </a:r>
+          </a:p>
+          <a:p>
+            <a:pPr lvl="1"/>
+            <a:r>
+              <a:rPr lang="en-US" dirty="0"/>
+              <a:t>duration*</a:t>
+            </a:r>
+          </a:p>
+          <a:p>
+            <a:pPr lvl="1"/>
+            <a:r>
+              <a:rPr lang="en-US" dirty="0" err="1"/>
+              <a:t>dollars_needed_day</a:t>
+            </a:r>
+            <a:r>
+              <a:rPr lang="en-US" dirty="0"/>
+              <a:t>*</a:t>
+            </a:r>
+          </a:p>
+        </p:txBody>
+      </p:sp>
+      <p:sp>
+        <p:nvSpPr>
+          <p:cNvPr id="4" name="TextBox 3">
+            <a:extLst>
+              <a:ext uri="{FF2B5EF4-FFF2-40B4-BE49-F238E27FC236}">
+                <a16:creationId xmlns:a16="http://schemas.microsoft.com/office/drawing/2014/main" id="{C2D1DAA0-3362-4C18-BC67-9FCE61F12B70}"/>
+              </a:ext>
+            </a:extLst>
+          </p:cNvPr>
+          <p:cNvSpPr txBox="1"/>
+          <p:nvPr/>
+        </p:nvSpPr>
+        <p:spPr>
+          <a:xfrm>
+            <a:off x="6877933" y="2378294"/>
+            <a:ext cx="4453467" cy="2985433"/>
+          </a:xfrm>
+          <a:prstGeom prst="rect">
+            <a:avLst/>
+          </a:prstGeom>
+          <a:noFill/>
+        </p:spPr>
+        <p:txBody>
+          <a:bodyPr wrap="square" rtlCol="0">
+            <a:spAutoFit/>
+          </a:bodyPr>
+          <a:lstStyle/>
+          <a:p>
+            <a:r>
+              <a:rPr lang="en-US" sz="2800" dirty="0">
+                <a:solidFill>
+                  <a:srgbClr val="92D050"/>
+                </a:solidFill>
+              </a:rPr>
+              <a:t>False Positive Rate = 0.06</a:t>
+            </a:r>
+          </a:p>
+          <a:p>
+            <a:r>
+              <a:rPr lang="en-US" sz="2000" dirty="0">
+                <a:solidFill>
+                  <a:srgbClr val="92D050"/>
+                </a:solidFill>
+              </a:rPr>
+              <a:t>FPR = FP / (FP + TN)</a:t>
+            </a:r>
+          </a:p>
+          <a:p>
+            <a:endParaRPr lang="en-US" sz="2800" dirty="0">
+              <a:solidFill>
+                <a:srgbClr val="92D050"/>
+              </a:solidFill>
+            </a:endParaRPr>
+          </a:p>
+          <a:p>
+            <a:r>
+              <a:rPr lang="en-US" sz="2800" dirty="0">
+                <a:solidFill>
+                  <a:srgbClr val="92D050"/>
+                </a:solidFill>
+              </a:rPr>
+              <a:t>Given 10,000 observations only 21out of 374 were misclassified as ‘successful’</a:t>
+            </a:r>
+          </a:p>
+        </p:txBody>
+      </p:sp>
+    </p:spTree>
+    <p:extLst>
+      <p:ext uri="{BB962C8B-B14F-4D97-AF65-F5344CB8AC3E}">
+        <p14:creationId xmlns:p14="http://schemas.microsoft.com/office/powerpoint/2010/main" val="1979474298"/>
+      </p:ext>
+    </p:extLst>
+  </p:cSld>
+  <p:clrMapOvr>
+    <a:masterClrMapping/>
+  </p:clrMapOvr>
+</p:sld>
+</file>
+
+<file path=ppt/slides/slide9.xml><?xml version="1.0" encoding="utf-8"?>
+<p:sld xmlns:a="http://schemas.openxmlformats.org/drawingml/2006/main" xmlns:r="http://schemas.openxmlformats.org/officeDocument/2006/relationships" xmlns:p="http://schemas.openxmlformats.org/presentationml/2006/main">
+  <p:cSld>
+    <p:spTree>
+      <p:nvGrpSpPr>
+        <p:cNvPr id="1" name=""/>
+        <p:cNvGrpSpPr/>
+        <p:nvPr/>
+      </p:nvGrpSpPr>
+      <p:grpSpPr>
+        <a:xfrm>
+          <a:off x="0" y="0"/>
+          <a:ext cx="0" cy="0"/>
+          <a:chOff x="0" y="0"/>
+          <a:chExt cx="0" cy="0"/>
+        </a:xfrm>
+      </p:grpSpPr>
+      <p:sp>
+        <p:nvSpPr>
+          <p:cNvPr id="2" name="Title 1">
+            <a:extLst>
+              <a:ext uri="{FF2B5EF4-FFF2-40B4-BE49-F238E27FC236}">
+                <a16:creationId xmlns:a16="http://schemas.microsoft.com/office/drawing/2014/main" id="{D2D1F628-EEB7-45DB-AF64-6A58B8EDE779}"/>
+              </a:ext>
+            </a:extLst>
+          </p:cNvPr>
+          <p:cNvSpPr>
+            <a:spLocks noGrp="1"/>
+          </p:cNvSpPr>
+          <p:nvPr>
+            <p:ph type="title"/>
+          </p:nvPr>
+        </p:nvSpPr>
+        <p:spPr/>
+        <p:txBody>
+          <a:bodyPr/>
+          <a:lstStyle/>
+          <a:p>
+            <a:r>
+              <a:rPr lang="en-US" dirty="0"/>
+              <a:t>Lessons Learned</a:t>
+            </a:r>
+          </a:p>
+        </p:txBody>
+      </p:sp>
+      <p:sp>
+        <p:nvSpPr>
+          <p:cNvPr id="3" name="Content Placeholder 2">
+            <a:extLst>
+              <a:ext uri="{FF2B5EF4-FFF2-40B4-BE49-F238E27FC236}">
+                <a16:creationId xmlns:a16="http://schemas.microsoft.com/office/drawing/2014/main" id="{50077456-899B-4FC0-9CC9-3E2B34737431}"/>
+              </a:ext>
+            </a:extLst>
+          </p:cNvPr>
+          <p:cNvSpPr>
+            <a:spLocks noGrp="1"/>
+          </p:cNvSpPr>
+          <p:nvPr>
+            <p:ph idx="1"/>
+          </p:nvPr>
+        </p:nvSpPr>
+        <p:spPr/>
+        <p:txBody>
+          <a:bodyPr/>
+          <a:lstStyle/>
+          <a:p>
+            <a:r>
+              <a:rPr lang="en-US" dirty="0"/>
+              <a:t>Data Quality over Data Quantity</a:t>
+            </a:r>
+          </a:p>
+          <a:p>
+            <a:r>
+              <a:rPr lang="en-US" dirty="0"/>
+              <a:t>Start Modelling Early</a:t>
+            </a:r>
+          </a:p>
+          <a:p>
+            <a:r>
+              <a:rPr lang="en-US" dirty="0"/>
+              <a:t>Try binning by goal amounts</a:t>
+            </a:r>
+          </a:p>
+          <a:p>
+            <a:r>
+              <a:rPr lang="en-US" dirty="0"/>
+              <a:t>Try correlating text with ‘failure’</a:t>
+            </a:r>
+          </a:p>
+          <a:p>
+            <a:r>
+              <a:rPr lang="en-US" dirty="0"/>
+              <a:t>Classification on each project category</a:t>
+            </a:r>
+          </a:p>
+          <a:p>
+            <a:pPr marL="0" indent="0">
+              <a:buNone/>
+            </a:pPr>
+            <a:endParaRPr lang="en-US" dirty="0"/>
+          </a:p>
+        </p:txBody>
+      </p:sp>
+    </p:spTree>
+    <p:extLst>
+      <p:ext uri="{BB962C8B-B14F-4D97-AF65-F5344CB8AC3E}">
+        <p14:creationId xmlns:p14="http://schemas.microsoft.com/office/powerpoint/2010/main" val="3000756978"/>
       </p:ext>
     </p:extLst>
   </p:cSld>
@@ -7242,4 +8045,299 @@
     </a:ext>
   </a:extLst>
 </a:theme>
+</file>
+
+<file path=ppt/theme/theme2.xml><?xml version="1.0" encoding="utf-8"?>
+<a:theme xmlns:a="http://schemas.openxmlformats.org/drawingml/2006/main" name="Office Theme">
+  <a:themeElements>
+    <a:clrScheme name="Office">
+      <a:dk1>
+        <a:sysClr val="windowText" lastClr="000000"/>
+      </a:dk1>
+      <a:lt1>
+        <a:sysClr val="window" lastClr="FFFFFF"/>
+      </a:lt1>
+      <a:dk2>
+        <a:srgbClr val="44546A"/>
+      </a:dk2>
+      <a:lt2>
+        <a:srgbClr val="E7E6E6"/>
+      </a:lt2>
+      <a:accent1>
+        <a:srgbClr val="4472C4"/>
+      </a:accent1>
+      <a:accent2>
+        <a:srgbClr val="ED7D31"/>
+      </a:accent2>
+      <a:accent3>
+        <a:srgbClr val="A5A5A5"/>
+      </a:accent3>
+      <a:accent4>
+        <a:srgbClr val="FFC000"/>
+      </a:accent4>
+      <a:accent5>
+        <a:srgbClr val="5B9BD5"/>
+      </a:accent5>
+      <a:accent6>
+        <a:srgbClr val="70AD47"/>
+      </a:accent6>
+      <a:hlink>
+        <a:srgbClr val="0563C1"/>
+      </a:hlink>
+      <a:folHlink>
+        <a:srgbClr val="954F72"/>
+      </a:folHlink>
+    </a:clrScheme>
+    <a:fontScheme name="Office">
+      <a:majorFont>
+        <a:latin typeface="Calibri Light" panose="020F0302020204030204"/>
+        <a:ea typeface=""/>
+        <a:cs typeface=""/>
+        <a:font script="Jpan" typeface="游ゴシック Light"/>
+        <a:font script="Hang" typeface="맑은 고딕"/>
+        <a:font script="Hans" typeface="等线 Light"/>
+        <a:font script="Hant" typeface="新細明體"/>
+        <a:font script="Arab" typeface="Times New Roman"/>
+        <a:font script="Hebr" typeface="Times New Roman"/>
+        <a:font script="Thai" typeface="Angsana New"/>
+        <a:font script="Ethi" typeface="Nyala"/>
+        <a:font script="Beng" typeface="Vrinda"/>
+        <a:font script="Gujr" typeface="Shruti"/>
+        <a:font script="Khmr" typeface="MoolBoran"/>
+        <a:font script="Knda" typeface="Tunga"/>
+        <a:font script="Guru" typeface="Raavi"/>
+        <a:font script="Cans" typeface="Euphemia"/>
+        <a:font script="Cher" typeface="Plantagenet Cherokee"/>
+        <a:font script="Yiii" typeface="Microsoft Yi Baiti"/>
+        <a:font script="Tibt" typeface="Microsoft Himalaya"/>
+        <a:font script="Thaa" typeface="MV Boli"/>
+        <a:font script="Deva" typeface="Mangal"/>
+        <a:font script="Telu" typeface="Gautami"/>
+        <a:font script="Taml" typeface="Latha"/>
+        <a:font script="Syrc" typeface="Estrangelo Edessa"/>
+        <a:font script="Orya" typeface="Kalinga"/>
+        <a:font script="Mlym" typeface="Kartika"/>
+        <a:font script="Laoo" typeface="DokChampa"/>
+        <a:font script="Sinh" typeface="Iskoola Pota"/>
+        <a:font script="Mong" typeface="Mongolian Baiti"/>
+        <a:font script="Viet" typeface="Times New Roman"/>
+        <a:font script="Uigh" typeface="Microsoft Uighur"/>
+        <a:font script="Geor" typeface="Sylfaen"/>
+        <a:font script="Armn" typeface="Arial"/>
+        <a:font script="Bugi" typeface="Leelawadee UI"/>
+        <a:font script="Bopo" typeface="Microsoft JhengHei"/>
+        <a:font script="Java" typeface="Javanese Text"/>
+        <a:font script="Lisu" typeface="Segoe UI"/>
+        <a:font script="Mymr" typeface="Myanmar Text"/>
+        <a:font script="Nkoo" typeface="Ebrima"/>
+        <a:font script="Olck" typeface="Nirmala UI"/>
+        <a:font script="Osma" typeface="Ebrima"/>
+        <a:font script="Phag" typeface="Phagspa"/>
+        <a:font script="Syrn" typeface="Estrangelo Edessa"/>
+        <a:font script="Syrj" typeface="Estrangelo Edessa"/>
+        <a:font script="Syre" typeface="Estrangelo Edessa"/>
+        <a:font script="Sora" typeface="Nirmala UI"/>
+        <a:font script="Tale" typeface="Microsoft Tai Le"/>
+        <a:font script="Talu" typeface="Microsoft New Tai Lue"/>
+        <a:font script="Tfng" typeface="Ebrima"/>
+      </a:majorFont>
+      <a:minorFont>
+        <a:latin typeface="Calibri" panose="020F0502020204030204"/>
+        <a:ea typeface=""/>
+        <a:cs typeface=""/>
+        <a:font script="Jpan" typeface="游ゴシック"/>
+        <a:font script="Hang" typeface="맑은 고딕"/>
+        <a:font script="Hans" typeface="等线"/>
+        <a:font script="Hant" typeface="新細明體"/>
+        <a:font script="Arab" typeface="Arial"/>
+        <a:font script="Hebr" typeface="Arial"/>
+        <a:font script="Thai" typeface="Cordia New"/>
+        <a:font script="Ethi" typeface="Nyala"/>
+        <a:font script="Beng" typeface="Vrinda"/>
+        <a:font script="Gujr" typeface="Shruti"/>
+        <a:font script="Khmr" typeface="DaunPenh"/>
+        <a:font script="Knda" typeface="Tunga"/>
+        <a:font script="Guru" typeface="Raavi"/>
+        <a:font script="Cans" typeface="Euphemia"/>
+        <a:font script="Cher" typeface="Plantagenet Cherokee"/>
+        <a:font script="Yiii" typeface="Microsoft Yi Baiti"/>
+        <a:font script="Tibt" typeface="Microsoft Himalaya"/>
+        <a:font script="Thaa" typeface="MV Boli"/>
+        <a:font script="Deva" typeface="Mangal"/>
+        <a:font script="Telu" typeface="Gautami"/>
+        <a:font script="Taml" typeface="Latha"/>
+        <a:font script="Syrc" typeface="Estrangelo Edessa"/>
+        <a:font script="Orya" typeface="Kalinga"/>
+        <a:font script="Mlym" typeface="Kartika"/>
+        <a:font script="Laoo" typeface="DokChampa"/>
+        <a:font script="Sinh" typeface="Iskoola Pota"/>
+        <a:font script="Mong" typeface="Mongolian Baiti"/>
+        <a:font script="Viet" typeface="Arial"/>
+        <a:font script="Uigh" typeface="Microsoft Uighur"/>
+        <a:font script="Geor" typeface="Sylfaen"/>
+        <a:font script="Armn" typeface="Arial"/>
+        <a:font script="Bugi" typeface="Leelawadee UI"/>
+        <a:font script="Bopo" typeface="Microsoft JhengHei"/>
+        <a:font script="Java" typeface="Javanese Text"/>
+        <a:font script="Lisu" typeface="Segoe UI"/>
+        <a:font script="Mymr" typeface="Myanmar Text"/>
+        <a:font script="Nkoo" typeface="Ebrima"/>
+        <a:font script="Olck" typeface="Nirmala UI"/>
+        <a:font script="Osma" typeface="Ebrima"/>
+        <a:font script="Phag" typeface="Phagspa"/>
+        <a:font script="Syrn" typeface="Estrangelo Edessa"/>
+        <a:font script="Syrj" typeface="Estrangelo Edessa"/>
+        <a:font script="Syre" typeface="Estrangelo Edessa"/>
+        <a:font script="Sora" typeface="Nirmala UI"/>
+        <a:font script="Tale" typeface="Microsoft Tai Le"/>
+        <a:font script="Talu" typeface="Microsoft New Tai Lue"/>
+        <a:font script="Tfng" typeface="Ebrima"/>
+      </a:minorFont>
+    </a:fontScheme>
+    <a:fmtScheme name="Office">
+      <a:fillStyleLst>
+        <a:solidFill>
+          <a:schemeClr val="phClr"/>
+        </a:solidFill>
+        <a:gradFill rotWithShape="1">
+          <a:gsLst>
+            <a:gs pos="0">
+              <a:schemeClr val="phClr">
+                <a:lumMod val="110000"/>
+                <a:satMod val="105000"/>
+                <a:tint val="67000"/>
+              </a:schemeClr>
+            </a:gs>
+            <a:gs pos="50000">
+              <a:schemeClr val="phClr">
+                <a:lumMod val="105000"/>
+                <a:satMod val="103000"/>
+                <a:tint val="73000"/>
+              </a:schemeClr>
+            </a:gs>
+            <a:gs pos="100000">
+              <a:schemeClr val="phClr">
+                <a:lumMod val="105000"/>
+                <a:satMod val="109000"/>
+                <a:tint val="81000"/>
+              </a:schemeClr>
+            </a:gs>
+          </a:gsLst>
+          <a:lin ang="5400000" scaled="0"/>
+        </a:gradFill>
+        <a:gradFill rotWithShape="1">
+          <a:gsLst>
+            <a:gs pos="0">
+              <a:schemeClr val="phClr">
+                <a:satMod val="103000"/>
+                <a:lumMod val="102000"/>
+                <a:tint val="94000"/>
+              </a:schemeClr>
+            </a:gs>
+            <a:gs pos="50000">
+              <a:schemeClr val="phClr">
+                <a:satMod val="110000"/>
+                <a:lumMod val="100000"/>
+                <a:shade val="100000"/>
+              </a:schemeClr>
+            </a:gs>
+            <a:gs pos="100000">
+              <a:schemeClr val="phClr">
+                <a:lumMod val="99000"/>
+                <a:satMod val="120000"/>
+                <a:shade val="78000"/>
+              </a:schemeClr>
+            </a:gs>
+          </a:gsLst>
+          <a:lin ang="5400000" scaled="0"/>
+        </a:gradFill>
+      </a:fillStyleLst>
+      <a:lnStyleLst>
+        <a:ln w="6350" cap="flat" cmpd="sng" algn="ctr">
+          <a:solidFill>
+            <a:schemeClr val="phClr"/>
+          </a:solidFill>
+          <a:prstDash val="solid"/>
+          <a:miter lim="800000"/>
+        </a:ln>
+        <a:ln w="12700" cap="flat" cmpd="sng" algn="ctr">
+          <a:solidFill>
+            <a:schemeClr val="phClr"/>
+          </a:solidFill>
+          <a:prstDash val="solid"/>
+          <a:miter lim="800000"/>
+        </a:ln>
+        <a:ln w="19050" cap="flat" cmpd="sng" algn="ctr">
+          <a:solidFill>
+            <a:schemeClr val="phClr"/>
+          </a:solidFill>
+          <a:prstDash val="solid"/>
+          <a:miter lim="800000"/>
+        </a:ln>
+      </a:lnStyleLst>
+      <a:effectStyleLst>
+        <a:effectStyle>
+          <a:effectLst/>
+        </a:effectStyle>
+        <a:effectStyle>
+          <a:effectLst/>
+        </a:effectStyle>
+        <a:effectStyle>
+          <a:effectLst>
+            <a:outerShdw blurRad="57150" dist="19050" dir="5400000" algn="ctr" rotWithShape="0">
+              <a:srgbClr val="000000">
+                <a:alpha val="63000"/>
+              </a:srgbClr>
+            </a:outerShdw>
+          </a:effectLst>
+        </a:effectStyle>
+      </a:effectStyleLst>
+      <a:bgFillStyleLst>
+        <a:solidFill>
+          <a:schemeClr val="phClr"/>
+        </a:solidFill>
+        <a:solidFill>
+          <a:schemeClr val="phClr">
+            <a:tint val="95000"/>
+            <a:satMod val="170000"/>
+          </a:schemeClr>
+        </a:solidFill>
+        <a:gradFill rotWithShape="1">
+          <a:gsLst>
+            <a:gs pos="0">
+              <a:schemeClr val="phClr">
+                <a:tint val="93000"/>
+                <a:satMod val="150000"/>
+                <a:shade val="98000"/>
+                <a:lumMod val="102000"/>
+              </a:schemeClr>
+            </a:gs>
+            <a:gs pos="50000">
+              <a:schemeClr val="phClr">
+                <a:tint val="98000"/>
+                <a:satMod val="130000"/>
+                <a:shade val="90000"/>
+                <a:lumMod val="103000"/>
+              </a:schemeClr>
+            </a:gs>
+            <a:gs pos="100000">
+              <a:schemeClr val="phClr">
+                <a:shade val="63000"/>
+                <a:satMod val="120000"/>
+              </a:schemeClr>
+            </a:gs>
+          </a:gsLst>
+          <a:lin ang="5400000" scaled="0"/>
+        </a:gradFill>
+      </a:bgFillStyleLst>
+    </a:fmtScheme>
+  </a:themeElements>
+  <a:objectDefaults/>
+  <a:extraClrSchemeLst/>
+  <a:extLst>
+    <a:ext uri="{05A4C25C-085E-4340-85A3-A5531E510DB2}">
+      <thm15:themeFamily xmlns:thm15="http://schemas.microsoft.com/office/thememl/2012/main" name="Office Theme" id="{62F939B6-93AF-4DB8-9C6B-D6C7DFDC589F}" vid="{4A3C46E8-61CC-4603-A589-7422A47A8E4A}"/>
+    </a:ext>
+  </a:extLst>
+</a:theme>
 </file>